--- a/ React.pptx
+++ b/ React.pptx
@@ -1410,7 +1410,20 @@
                 <a:cs typeface="Helvetica Neue"/>
                 <a:sym typeface="Helvetica Neue"/>
               </a:rPr>
-              <a:t>The :number part of the path /roster/:number means that the part of the pathname that comes after </a:t>
+              <a:t>The :number part of the path /roster/:number means that the part of the pathname that comes after /book/ will be captured and stored as </a:t>
+            </a:r>
+            <a:r>
+              <a:rPr lang="en-US" sz="2200" b="0" i="0" u="none" strike="noStrike" kern="1200" cap="none" dirty="0" err="1" smtClean="0">
+                <a:solidFill>
+                  <a:schemeClr val="tx1"/>
+                </a:solidFill>
+                <a:effectLst/>
+                <a:latin typeface="Helvetica Neue"/>
+                <a:ea typeface="Helvetica Neue"/>
+                <a:cs typeface="Helvetica Neue"/>
+                <a:sym typeface="Helvetica Neue"/>
+              </a:rPr>
+              <a:t>match.params.number</a:t>
             </a:r>
             <a:r>
               <a:rPr lang="en-US" sz="2200" b="0" i="0" u="none" strike="noStrike" kern="1200" cap="none" dirty="0" smtClean="0">
@@ -1423,10 +1436,10 @@
                 <a:cs typeface="Helvetica Neue"/>
                 <a:sym typeface="Helvetica Neue"/>
               </a:rPr>
-              <a:t>/book/</a:t>
-            </a:r>
-            <a:r>
-              <a:rPr lang="en-US" sz="2200" b="0" i="0" u="none" strike="noStrike" kern="1200" cap="none" dirty="0" smtClean="0">
+              <a:t>. For example, the pathname</a:t>
+            </a:r>
+            <a:r>
+              <a:rPr lang="en-US" sz="2200" b="0" i="0" u="none" strike="noStrike" kern="1200" cap="none" smtClean="0">
                 <a:solidFill>
                   <a:schemeClr val="tx1"/>
                 </a:solidFill>
@@ -1436,59 +1449,7 @@
                 <a:cs typeface="Helvetica Neue"/>
                 <a:sym typeface="Helvetica Neue"/>
               </a:rPr>
-              <a:t> will be captured and stored as </a:t>
-            </a:r>
-            <a:r>
-              <a:rPr lang="en-US" sz="2200" b="0" i="0" u="none" strike="noStrike" kern="1200" cap="none" dirty="0" err="1" smtClean="0">
-                <a:solidFill>
-                  <a:schemeClr val="tx1"/>
-                </a:solidFill>
-                <a:effectLst/>
-                <a:latin typeface="Helvetica Neue"/>
-                <a:ea typeface="Helvetica Neue"/>
-                <a:cs typeface="Helvetica Neue"/>
-                <a:sym typeface="Helvetica Neue"/>
-              </a:rPr>
-              <a:t>match.params.number</a:t>
-            </a:r>
-            <a:r>
-              <a:rPr lang="en-US" sz="2200" b="0" i="0" u="none" strike="noStrike" kern="1200" cap="none" dirty="0" smtClean="0">
-                <a:solidFill>
-                  <a:schemeClr val="tx1"/>
-                </a:solidFill>
-                <a:effectLst/>
-                <a:latin typeface="Helvetica Neue"/>
-                <a:ea typeface="Helvetica Neue"/>
-                <a:cs typeface="Helvetica Neue"/>
-                <a:sym typeface="Helvetica Neue"/>
-              </a:rPr>
-              <a:t>. For example, the pathname</a:t>
-            </a:r>
-            <a:r>
-              <a:rPr lang="en-US" sz="2200" b="0" i="0" u="none" strike="noStrike" kern="1200" cap="none" smtClean="0">
-                <a:solidFill>
-                  <a:schemeClr val="tx1"/>
-                </a:solidFill>
-                <a:effectLst/>
-                <a:latin typeface="Helvetica Neue"/>
-                <a:ea typeface="Helvetica Neue"/>
-                <a:cs typeface="Helvetica Neue"/>
-                <a:sym typeface="Helvetica Neue"/>
-              </a:rPr>
-              <a:t> </a:t>
-            </a:r>
-            <a:r>
-              <a:rPr lang="en-US" sz="2200" b="0" i="0" u="none" strike="noStrike" kern="1200" cap="none" smtClean="0">
-                <a:solidFill>
-                  <a:schemeClr val="tx1"/>
-                </a:solidFill>
-                <a:effectLst/>
-                <a:latin typeface="Helvetica Neue"/>
-                <a:ea typeface="Helvetica Neue"/>
-                <a:cs typeface="Helvetica Neue"/>
-                <a:sym typeface="Helvetica Neue"/>
-              </a:rPr>
-              <a:t>/book/6</a:t>
+              <a:t> /book/6</a:t>
             </a:r>
             <a:r>
               <a:rPr lang="en-US" sz="2200" b="0" i="0" u="none" strike="noStrike" kern="1200" cap="none" dirty="0" smtClean="0">
@@ -12654,11 +12615,7 @@
             </a:pPr>
             <a:r>
               <a:rPr lang="en-US" sz="2000" dirty="0" smtClean="0"/>
-              <a:t>	</a:t>
-            </a:r>
-            <a:r>
-              <a:rPr lang="en-US" sz="2000" dirty="0" smtClean="0"/>
-              <a:t>super(props</a:t>
+              <a:t>	super(props</a:t>
             </a:r>
             <a:r>
               <a:rPr lang="en-US" sz="2000" dirty="0"/>
@@ -17079,7 +17036,11 @@
             </a:r>
             <a:r>
               <a:rPr lang="en-US" dirty="0" smtClean="0"/>
-              <a:t> + Promises of Observables</a:t>
+              <a:t> + </a:t>
+            </a:r>
+            <a:r>
+              <a:rPr lang="en-US" dirty="0" smtClean="0"/>
+              <a:t>Observables</a:t>
             </a:r>
             <a:endParaRPr lang="en-US" dirty="0"/>
           </a:p>
@@ -17385,11 +17346,29 @@
             <a:endParaRPr lang="en-US" sz="2800" dirty="0" smtClean="0"/>
           </a:p>
           <a:p>
-            <a:pPr algn="ctr">
-              <a:spcBef>
-                <a:spcPts val="0"/>
-              </a:spcBef>
+            <a:pPr>
+              <a:spcBef>
+                <a:spcPts val="0"/>
+              </a:spcBef>
+              <a:buNone/>
             </a:pPr>
+            <a:endParaRPr lang="en-US" sz="2000" dirty="0"/>
+          </a:p>
+          <a:p>
+            <a:pPr>
+              <a:spcBef>
+                <a:spcPts val="0"/>
+              </a:spcBef>
+              <a:buNone/>
+            </a:pPr>
+            <a:r>
+              <a:rPr lang="en-US" sz="2000" smtClean="0"/>
+              <a:t>IN </a:t>
+            </a:r>
+            <a:r>
+              <a:rPr lang="en-US" sz="2000" dirty="0" smtClean="0"/>
+              <a:t>HTML:</a:t>
+            </a:r>
             <a:endParaRPr lang="en-US" sz="2000" dirty="0" smtClean="0"/>
           </a:p>
           <a:p>
@@ -17399,7 +17378,42 @@
               </a:spcBef>
               <a:buNone/>
             </a:pPr>
-            <a:endParaRPr lang="en-US" sz="2000" dirty="0" smtClean="0"/>
+            <a:r>
+              <a:rPr lang="en-US" sz="2400" i="1" dirty="0" smtClean="0"/>
+              <a:t>	</a:t>
+            </a:r>
+            <a:r>
+              <a:rPr lang="en-US" sz="2400" i="1" dirty="0" smtClean="0">
+                <a:solidFill>
+                  <a:srgbClr val="92D050"/>
+                </a:solidFill>
+              </a:rPr>
+              <a:t>&lt;</a:t>
+            </a:r>
+            <a:r>
+              <a:rPr lang="en-US" sz="2400" i="1" dirty="0" smtClean="0">
+                <a:solidFill>
+                  <a:srgbClr val="92D050"/>
+                </a:solidFill>
+              </a:rPr>
+              <a:t>Welcome </a:t>
+            </a:r>
+            <a:r>
+              <a:rPr lang="en-US" sz="2400" i="1" dirty="0">
+                <a:solidFill>
+                  <a:srgbClr val="92D050"/>
+                </a:solidFill>
+              </a:rPr>
+              <a:t>name="Sara" </a:t>
+            </a:r>
+            <a:r>
+              <a:rPr lang="en-US" sz="2400" i="1" dirty="0" smtClean="0">
+                <a:solidFill>
+                  <a:srgbClr val="92D050"/>
+                </a:solidFill>
+              </a:rPr>
+              <a:t>/&gt;</a:t>
+            </a:r>
           </a:p>
           <a:p>
             <a:pPr>
@@ -17408,18 +17422,49 @@
               </a:spcBef>
               <a:buNone/>
             </a:pPr>
+            <a:endParaRPr lang="en-US" sz="2400" i="1" dirty="0" smtClean="0">
+              <a:solidFill>
+                <a:srgbClr val="92D050"/>
+              </a:solidFill>
+            </a:endParaRPr>
+          </a:p>
+          <a:p>
+            <a:pPr>
+              <a:spcBef>
+                <a:spcPts val="0"/>
+              </a:spcBef>
+              <a:buNone/>
+            </a:pPr>
             <a:r>
               <a:rPr lang="en-US" sz="2400" i="1" dirty="0" smtClean="0"/>
-              <a:t>// </a:t>
-            </a:r>
+              <a:t>OUTPUT:</a:t>
+            </a:r>
+            <a:endParaRPr lang="en-US" sz="2400" i="1" dirty="0"/>
+          </a:p>
+          <a:p>
+            <a:pPr>
+              <a:spcBef>
+                <a:spcPts val="0"/>
+              </a:spcBef>
+              <a:buNone/>
+            </a:pPr>
             <a:r>
               <a:rPr lang="en-US" sz="2400" i="1" dirty="0" smtClean="0"/>
-              <a:t> &lt;Welcome </a:t>
-            </a:r>
-            <a:r>
-              <a:rPr lang="en-US" sz="2400" i="1" dirty="0"/>
-              <a:t>name="Sara" /&gt;</a:t>
-            </a:r>
+              <a:t>	</a:t>
+            </a:r>
+            <a:r>
+              <a:rPr lang="en-US" sz="2400" i="1" dirty="0" smtClean="0">
+                <a:solidFill>
+                  <a:srgbClr val="00B050"/>
+                </a:solidFill>
+              </a:rPr>
+              <a:t>Hello Sara</a:t>
+            </a:r>
+            <a:endParaRPr lang="en-US" sz="2400" i="1" dirty="0">
+              <a:solidFill>
+                <a:srgbClr val="00B050"/>
+              </a:solidFill>
+            </a:endParaRPr>
           </a:p>
           <a:p>
             <a:pPr lvl="0" algn="ctr" rtl="0">
